--- a/Tech.pptx
+++ b/Tech.pptx
@@ -5,9 +5,8 @@
     <p:sldMasterId id="2147483648" r:id="rId1"/>
   </p:sldMasterIdLst>
   <p:sldIdLst>
-    <p:sldId id="256" r:id="rId2"/>
-    <p:sldId id="257" r:id="rId3"/>
-    <p:sldId id="258" r:id="rId4"/>
+    <p:sldId id="257" r:id="rId2"/>
+    <p:sldId id="258" r:id="rId3"/>
   </p:sldIdLst>
   <p:sldSz cx="12192000" cy="6858000"/>
   <p:notesSz cx="6858000" cy="9144000"/>
@@ -106,6 +105,11 @@
       </a:defRPr>
     </a:lvl9pPr>
   </p:defaultTextStyle>
+  <p:extLst>
+    <p:ext uri="{EFAFB233-063F-42B5-8137-9DF3F51BA10A}">
+      <p15:sldGuideLst xmlns:p15="http://schemas.microsoft.com/office/powerpoint/2012/main"/>
+    </p:ext>
+  </p:extLst>
 </p:presentation>
 </file>
 
@@ -3399,7 +3403,7 @@
           <a:p>
             <a:r>
               <a:rPr lang="en-US" dirty="0"/>
-              <a:t>People</a:t>
+              <a:t>Players</a:t>
             </a:r>
           </a:p>
         </p:txBody>
@@ -3419,7 +3423,7 @@
         <p:spPr>
           <a:xfrm>
             <a:off x="1077686" y="1163411"/>
-            <a:ext cx="1457325" cy="1200329"/>
+            <a:ext cx="1457325" cy="1754326"/>
           </a:xfrm>
           <a:prstGeom prst="rect">
             <a:avLst/>
@@ -3446,7 +3450,19 @@
           <a:p>
             <a:r>
               <a:rPr lang="en-US" dirty="0"/>
+              <a:t>Nickname</a:t>
+            </a:r>
+          </a:p>
+          <a:p>
+            <a:r>
+              <a:rPr lang="en-US" dirty="0"/>
               <a:t>Nationality</a:t>
+            </a:r>
+          </a:p>
+          <a:p>
+            <a:r>
+              <a:rPr lang="en-US" dirty="0"/>
+              <a:t>Category</a:t>
             </a:r>
           </a:p>
           <a:p>
@@ -3472,7 +3488,7 @@
         </p:nvSpPr>
         <p:spPr>
           <a:xfrm>
-            <a:off x="6053817" y="661307"/>
+            <a:off x="5407479" y="662478"/>
             <a:ext cx="2592161" cy="2294164"/>
           </a:xfrm>
           <a:prstGeom prst="rect">
@@ -3518,7 +3534,7 @@
         </p:nvSpPr>
         <p:spPr>
           <a:xfrm>
-            <a:off x="6086474" y="738868"/>
+            <a:off x="5440136" y="740039"/>
             <a:ext cx="2490108" cy="369332"/>
           </a:xfrm>
           <a:prstGeom prst="rect">
@@ -3534,7 +3550,7 @@
           <a:p>
             <a:r>
               <a:rPr lang="en-US" dirty="0"/>
-              <a:t>Movie</a:t>
+              <a:t>Team</a:t>
             </a:r>
           </a:p>
         </p:txBody>
@@ -3553,8 +3569,8 @@
         </p:nvSpPr>
         <p:spPr>
           <a:xfrm>
-            <a:off x="6494689" y="1163411"/>
-            <a:ext cx="1457325" cy="1477328"/>
+            <a:off x="5848351" y="1164582"/>
+            <a:ext cx="1457325" cy="1754326"/>
           </a:xfrm>
           <a:prstGeom prst="rect">
             <a:avLst/>
@@ -3569,42 +3585,47 @@
           <a:p>
             <a:r>
               <a:rPr lang="en-US" dirty="0"/>
-              <a:t>Title</a:t>
-            </a:r>
-          </a:p>
-          <a:p>
-            <a:r>
-              <a:rPr lang="en-US" dirty="0" err="1"/>
-              <a:t>ReleaseDate</a:t>
-            </a:r>
-            <a:endParaRPr lang="en-US" dirty="0"/>
-          </a:p>
-          <a:p>
-            <a:r>
-              <a:rPr lang="en-US" dirty="0"/>
-              <a:t>Director</a:t>
-            </a:r>
-          </a:p>
-          <a:p>
-            <a:r>
-              <a:rPr lang="en-US" dirty="0"/>
-              <a:t>Actors</a:t>
-            </a:r>
-          </a:p>
-          <a:p>
-            <a:r>
-              <a:rPr lang="en-US" dirty="0"/>
-              <a:t>Category</a:t>
-            </a:r>
-          </a:p>
-        </p:txBody>
-      </p:sp>
-      <p:sp>
-        <p:nvSpPr>
-          <p:cNvPr id="11" name="Rectangle 10">
-            <a:extLst>
-              <a:ext uri="{FF2B5EF4-FFF2-40B4-BE49-F238E27FC236}">
-                <a16:creationId xmlns:a16="http://schemas.microsoft.com/office/drawing/2014/main" id="{603E2D30-6806-466A-95A3-8EF4F208A093}"/>
+              <a:t>Team</a:t>
+            </a:r>
+          </a:p>
+          <a:p>
+            <a:r>
+              <a:rPr lang="en-US" dirty="0"/>
+              <a:t>Player1</a:t>
+            </a:r>
+          </a:p>
+          <a:p>
+            <a:r>
+              <a:rPr lang="en-US" dirty="0"/>
+              <a:t>Player2</a:t>
+            </a:r>
+          </a:p>
+          <a:p>
+            <a:r>
+              <a:rPr lang="en-US" dirty="0"/>
+              <a:t>Player3</a:t>
+            </a:r>
+          </a:p>
+          <a:p>
+            <a:r>
+              <a:rPr lang="en-US" dirty="0"/>
+              <a:t>Player4</a:t>
+            </a:r>
+          </a:p>
+          <a:p>
+            <a:r>
+              <a:rPr lang="en-US" dirty="0"/>
+              <a:t>Player5</a:t>
+            </a:r>
+          </a:p>
+        </p:txBody>
+      </p:sp>
+      <p:sp>
+        <p:nvSpPr>
+          <p:cNvPr id="14" name="Rectangle 13">
+            <a:extLst>
+              <a:ext uri="{FF2B5EF4-FFF2-40B4-BE49-F238E27FC236}">
+                <a16:creationId xmlns:a16="http://schemas.microsoft.com/office/drawing/2014/main" id="{843DAAB1-427B-4ED1-8AA5-035171FA0918}"/>
               </a:ext>
             </a:extLst>
           </p:cNvPr>
@@ -3613,7 +3634,7 @@
         </p:nvSpPr>
         <p:spPr>
           <a:xfrm>
-            <a:off x="636814" y="3604532"/>
+            <a:off x="9234785" y="4018970"/>
             <a:ext cx="2592161" cy="2294164"/>
           </a:xfrm>
           <a:prstGeom prst="rect">
@@ -3647,10 +3668,10 @@
       </p:sp>
       <p:sp>
         <p:nvSpPr>
-          <p:cNvPr id="12" name="TextBox 11">
-            <a:extLst>
-              <a:ext uri="{FF2B5EF4-FFF2-40B4-BE49-F238E27FC236}">
-                <a16:creationId xmlns:a16="http://schemas.microsoft.com/office/drawing/2014/main" id="{151C623C-86F9-45AD-9EF3-5BB613D1B91F}"/>
+          <p:cNvPr id="15" name="TextBox 14">
+            <a:extLst>
+              <a:ext uri="{FF2B5EF4-FFF2-40B4-BE49-F238E27FC236}">
+                <a16:creationId xmlns:a16="http://schemas.microsoft.com/office/drawing/2014/main" id="{16A2EF4A-6406-4C19-B35D-FDE6DF558797}"/>
               </a:ext>
             </a:extLst>
           </p:cNvPr>
@@ -3659,7 +3680,7 @@
         </p:nvSpPr>
         <p:spPr>
           <a:xfrm>
-            <a:off x="669471" y="3682093"/>
+            <a:off x="9267442" y="4096531"/>
             <a:ext cx="2490108" cy="369332"/>
           </a:xfrm>
           <a:prstGeom prst="rect">
@@ -3675,17 +3696,17 @@
           <a:p>
             <a:r>
               <a:rPr lang="en-US" dirty="0"/>
-              <a:t>Categories</a:t>
-            </a:r>
-          </a:p>
-        </p:txBody>
-      </p:sp>
-      <p:sp>
-        <p:nvSpPr>
-          <p:cNvPr id="13" name="TextBox 12">
-            <a:extLst>
-              <a:ext uri="{FF2B5EF4-FFF2-40B4-BE49-F238E27FC236}">
-                <a16:creationId xmlns:a16="http://schemas.microsoft.com/office/drawing/2014/main" id="{EF2DA646-FE60-4582-8FFE-428A6302A90C}"/>
+              <a:t>Games</a:t>
+            </a:r>
+          </a:p>
+        </p:txBody>
+      </p:sp>
+      <p:sp>
+        <p:nvSpPr>
+          <p:cNvPr id="16" name="TextBox 15">
+            <a:extLst>
+              <a:ext uri="{FF2B5EF4-FFF2-40B4-BE49-F238E27FC236}">
+                <a16:creationId xmlns:a16="http://schemas.microsoft.com/office/drawing/2014/main" id="{DD66D060-1560-4246-923C-C5673B5CB5D5}"/>
               </a:ext>
             </a:extLst>
           </p:cNvPr>
@@ -3694,8 +3715,8 @@
         </p:nvSpPr>
         <p:spPr>
           <a:xfrm>
-            <a:off x="1077686" y="4106636"/>
-            <a:ext cx="1457325" cy="1200329"/>
+            <a:off x="9675657" y="4521074"/>
+            <a:ext cx="1982943" cy="1477328"/>
           </a:xfrm>
           <a:prstGeom prst="rect">
             <a:avLst/>
@@ -3710,34 +3731,563 @@
           <a:p>
             <a:r>
               <a:rPr lang="en-US" dirty="0"/>
+              <a:t>Composition1</a:t>
+            </a:r>
+          </a:p>
+          <a:p>
+            <a:r>
+              <a:rPr lang="en-US" dirty="0"/>
+              <a:t>Composition2</a:t>
+            </a:r>
+          </a:p>
+          <a:p>
+            <a:r>
+              <a:rPr lang="en-US" dirty="0"/>
+              <a:t>Winner</a:t>
+            </a:r>
+          </a:p>
+          <a:p>
+            <a:r>
+              <a:rPr lang="en-US" dirty="0" err="1"/>
+              <a:t>GameDate</a:t>
+            </a:r>
+            <a:endParaRPr lang="en-US" dirty="0"/>
+          </a:p>
+          <a:p>
+            <a:endParaRPr lang="en-US" dirty="0"/>
+          </a:p>
+        </p:txBody>
+      </p:sp>
+      <p:sp>
+        <p:nvSpPr>
+          <p:cNvPr id="7" name="Arrow: Right 6">
+            <a:extLst>
+              <a:ext uri="{FF2B5EF4-FFF2-40B4-BE49-F238E27FC236}">
+                <a16:creationId xmlns:a16="http://schemas.microsoft.com/office/drawing/2014/main" id="{927D33FB-F4FE-4496-A0B1-113D9FC55D0C}"/>
+              </a:ext>
+            </a:extLst>
+          </p:cNvPr>
+          <p:cNvSpPr/>
+          <p:nvPr/>
+        </p:nvSpPr>
+        <p:spPr>
+          <a:xfrm>
+            <a:off x="3441245" y="1347107"/>
+            <a:ext cx="1792061" cy="1126672"/>
+          </a:xfrm>
+          <a:prstGeom prst="rightArrow">
+            <a:avLst/>
+          </a:prstGeom>
+        </p:spPr>
+        <p:style>
+          <a:lnRef idx="2">
+            <a:schemeClr val="accent1">
+              <a:shade val="50000"/>
+            </a:schemeClr>
+          </a:lnRef>
+          <a:fillRef idx="1">
+            <a:schemeClr val="accent1"/>
+          </a:fillRef>
+          <a:effectRef idx="0">
+            <a:schemeClr val="accent1"/>
+          </a:effectRef>
+          <a:fontRef idx="minor">
+            <a:schemeClr val="lt1"/>
+          </a:fontRef>
+        </p:style>
+        <p:txBody>
+          <a:bodyPr rtlCol="0" anchor="ctr"/>
+          <a:lstStyle/>
+          <a:p>
+            <a:pPr algn="ctr"/>
+            <a:r>
+              <a:rPr lang="en-US" dirty="0"/>
+              <a:t>1-N</a:t>
+            </a:r>
+          </a:p>
+        </p:txBody>
+      </p:sp>
+      <p:sp>
+        <p:nvSpPr>
+          <p:cNvPr id="17" name="Arrow: Down 16">
+            <a:extLst>
+              <a:ext uri="{FF2B5EF4-FFF2-40B4-BE49-F238E27FC236}">
+                <a16:creationId xmlns:a16="http://schemas.microsoft.com/office/drawing/2014/main" id="{06DBFD00-3DA7-4CAD-9840-E7E3DF0DF36A}"/>
+              </a:ext>
+            </a:extLst>
+          </p:cNvPr>
+          <p:cNvSpPr/>
+          <p:nvPr/>
+        </p:nvSpPr>
+        <p:spPr>
+          <a:xfrm rot="16200000">
+            <a:off x="7862889" y="5467407"/>
+            <a:ext cx="1106261" cy="832758"/>
+          </a:xfrm>
+          <a:prstGeom prst="downArrow">
+            <a:avLst/>
+          </a:prstGeom>
+        </p:spPr>
+        <p:style>
+          <a:lnRef idx="2">
+            <a:schemeClr val="accent1">
+              <a:shade val="50000"/>
+            </a:schemeClr>
+          </a:lnRef>
+          <a:fillRef idx="1">
+            <a:schemeClr val="accent1"/>
+          </a:fillRef>
+          <a:effectRef idx="0">
+            <a:schemeClr val="accent1"/>
+          </a:effectRef>
+          <a:fontRef idx="minor">
+            <a:schemeClr val="lt1"/>
+          </a:fontRef>
+        </p:style>
+        <p:txBody>
+          <a:bodyPr rtlCol="0" anchor="ctr"/>
+          <a:lstStyle/>
+          <a:p>
+            <a:pPr algn="ctr"/>
+            <a:r>
+              <a:rPr lang="en-US" dirty="0"/>
+              <a:t>1-N</a:t>
+            </a:r>
+          </a:p>
+        </p:txBody>
+      </p:sp>
+      <p:sp>
+        <p:nvSpPr>
+          <p:cNvPr id="19" name="Arrow: Down 18">
+            <a:extLst>
+              <a:ext uri="{FF2B5EF4-FFF2-40B4-BE49-F238E27FC236}">
+                <a16:creationId xmlns:a16="http://schemas.microsoft.com/office/drawing/2014/main" id="{81C83088-42FD-4FE3-BF1F-3BC91E060FD9}"/>
+              </a:ext>
+            </a:extLst>
+          </p:cNvPr>
+          <p:cNvSpPr/>
+          <p:nvPr/>
+        </p:nvSpPr>
+        <p:spPr>
+          <a:xfrm rot="16200000">
+            <a:off x="7877471" y="4276668"/>
+            <a:ext cx="1106261" cy="832758"/>
+          </a:xfrm>
+          <a:prstGeom prst="downArrow">
+            <a:avLst/>
+          </a:prstGeom>
+        </p:spPr>
+        <p:style>
+          <a:lnRef idx="2">
+            <a:schemeClr val="accent1">
+              <a:shade val="50000"/>
+            </a:schemeClr>
+          </a:lnRef>
+          <a:fillRef idx="1">
+            <a:schemeClr val="accent1"/>
+          </a:fillRef>
+          <a:effectRef idx="0">
+            <a:schemeClr val="accent1"/>
+          </a:effectRef>
+          <a:fontRef idx="minor">
+            <a:schemeClr val="lt1"/>
+          </a:fontRef>
+        </p:style>
+        <p:txBody>
+          <a:bodyPr rtlCol="0" anchor="ctr"/>
+          <a:lstStyle/>
+          <a:p>
+            <a:pPr algn="ctr"/>
+            <a:r>
+              <a:rPr lang="en-US" dirty="0"/>
+              <a:t>1-N</a:t>
+            </a:r>
+          </a:p>
+        </p:txBody>
+      </p:sp>
+      <p:sp>
+        <p:nvSpPr>
+          <p:cNvPr id="20" name="Rectangle 19">
+            <a:extLst>
+              <a:ext uri="{FF2B5EF4-FFF2-40B4-BE49-F238E27FC236}">
+                <a16:creationId xmlns:a16="http://schemas.microsoft.com/office/drawing/2014/main" id="{22054C66-BD4E-438A-9A7B-4C9ECA425502}"/>
+              </a:ext>
+            </a:extLst>
+          </p:cNvPr>
+          <p:cNvSpPr/>
+          <p:nvPr/>
+        </p:nvSpPr>
+        <p:spPr>
+          <a:xfrm>
+            <a:off x="636814" y="4521074"/>
+            <a:ext cx="2592161" cy="1338943"/>
+          </a:xfrm>
+          <a:prstGeom prst="rect">
+            <a:avLst/>
+          </a:prstGeom>
+        </p:spPr>
+        <p:style>
+          <a:lnRef idx="2">
+            <a:schemeClr val="accent1">
+              <a:shade val="50000"/>
+            </a:schemeClr>
+          </a:lnRef>
+          <a:fillRef idx="1">
+            <a:schemeClr val="accent1"/>
+          </a:fillRef>
+          <a:effectRef idx="0">
+            <a:schemeClr val="accent1"/>
+          </a:effectRef>
+          <a:fontRef idx="minor">
+            <a:schemeClr val="lt1"/>
+          </a:fontRef>
+        </p:style>
+        <p:txBody>
+          <a:bodyPr rtlCol="0" anchor="ctr"/>
+          <a:lstStyle/>
+          <a:p>
+            <a:pPr algn="ctr"/>
+            <a:endParaRPr lang="en-US"/>
+          </a:p>
+        </p:txBody>
+      </p:sp>
+      <p:sp>
+        <p:nvSpPr>
+          <p:cNvPr id="21" name="TextBox 20">
+            <a:extLst>
+              <a:ext uri="{FF2B5EF4-FFF2-40B4-BE49-F238E27FC236}">
+                <a16:creationId xmlns:a16="http://schemas.microsoft.com/office/drawing/2014/main" id="{70E9587C-1029-4D9E-9010-0BA6E19E9E96}"/>
+              </a:ext>
+            </a:extLst>
+          </p:cNvPr>
+          <p:cNvSpPr txBox="1"/>
+          <p:nvPr/>
+        </p:nvSpPr>
+        <p:spPr>
+          <a:xfrm>
+            <a:off x="669471" y="4598635"/>
+            <a:ext cx="2490108" cy="369332"/>
+          </a:xfrm>
+          <a:prstGeom prst="rect">
+            <a:avLst/>
+          </a:prstGeom>
+          <a:noFill/>
+        </p:spPr>
+        <p:txBody>
+          <a:bodyPr wrap="square" rtlCol="0">
+            <a:spAutoFit/>
+          </a:bodyPr>
+          <a:lstStyle/>
+          <a:p>
+            <a:r>
+              <a:rPr lang="en-US" dirty="0"/>
+              <a:t>Legends</a:t>
+            </a:r>
+          </a:p>
+        </p:txBody>
+      </p:sp>
+      <p:sp>
+        <p:nvSpPr>
+          <p:cNvPr id="22" name="TextBox 21">
+            <a:extLst>
+              <a:ext uri="{FF2B5EF4-FFF2-40B4-BE49-F238E27FC236}">
+                <a16:creationId xmlns:a16="http://schemas.microsoft.com/office/drawing/2014/main" id="{2C2FBDD6-0105-4F5E-BA4E-7E72C0286454}"/>
+              </a:ext>
+            </a:extLst>
+          </p:cNvPr>
+          <p:cNvSpPr txBox="1"/>
+          <p:nvPr/>
+        </p:nvSpPr>
+        <p:spPr>
+          <a:xfrm>
+            <a:off x="1077686" y="5023178"/>
+            <a:ext cx="1457325" cy="1200329"/>
+          </a:xfrm>
+          <a:prstGeom prst="rect">
+            <a:avLst/>
+          </a:prstGeom>
+          <a:noFill/>
+        </p:spPr>
+        <p:txBody>
+          <a:bodyPr wrap="square" rtlCol="0">
+            <a:spAutoFit/>
+          </a:bodyPr>
+          <a:lstStyle/>
+          <a:p>
+            <a:r>
+              <a:rPr lang="en-US" dirty="0"/>
               <a:t>Name</a:t>
             </a:r>
           </a:p>
           <a:p>
             <a:r>
               <a:rPr lang="en-US" dirty="0"/>
-              <a:t>Surname</a:t>
-            </a:r>
-          </a:p>
-          <a:p>
-            <a:r>
-              <a:rPr lang="en-US" dirty="0"/>
-              <a:t>Nationality</a:t>
-            </a:r>
-          </a:p>
-          <a:p>
-            <a:r>
-              <a:rPr lang="en-US" dirty="0" err="1"/>
-              <a:t>BirthDay</a:t>
-            </a:r>
+              <a:t>Category</a:t>
+            </a:r>
+          </a:p>
+          <a:p>
+            <a:r>
+              <a:rPr lang="en-US" dirty="0"/>
+              <a:t>Bio</a:t>
+            </a:r>
+          </a:p>
+          <a:p>
             <a:endParaRPr lang="en-US" dirty="0"/>
+          </a:p>
+        </p:txBody>
+      </p:sp>
+      <p:sp>
+        <p:nvSpPr>
+          <p:cNvPr id="23" name="Arrow: Right 22">
+            <a:extLst>
+              <a:ext uri="{FF2B5EF4-FFF2-40B4-BE49-F238E27FC236}">
+                <a16:creationId xmlns:a16="http://schemas.microsoft.com/office/drawing/2014/main" id="{6DB592F7-302D-4871-83B7-FAE40203860F}"/>
+              </a:ext>
+            </a:extLst>
+          </p:cNvPr>
+          <p:cNvSpPr/>
+          <p:nvPr/>
+        </p:nvSpPr>
+        <p:spPr>
+          <a:xfrm>
+            <a:off x="3441244" y="4682842"/>
+            <a:ext cx="1792061" cy="1126672"/>
+          </a:xfrm>
+          <a:prstGeom prst="rightArrow">
+            <a:avLst/>
+          </a:prstGeom>
+        </p:spPr>
+        <p:style>
+          <a:lnRef idx="2">
+            <a:schemeClr val="accent1">
+              <a:shade val="50000"/>
+            </a:schemeClr>
+          </a:lnRef>
+          <a:fillRef idx="1">
+            <a:schemeClr val="accent1"/>
+          </a:fillRef>
+          <a:effectRef idx="0">
+            <a:schemeClr val="accent1"/>
+          </a:effectRef>
+          <a:fontRef idx="minor">
+            <a:schemeClr val="lt1"/>
+          </a:fontRef>
+        </p:style>
+        <p:txBody>
+          <a:bodyPr rtlCol="0" anchor="ctr"/>
+          <a:lstStyle/>
+          <a:p>
+            <a:pPr algn="ctr"/>
+            <a:r>
+              <a:rPr lang="en-US" dirty="0"/>
+              <a:t>N-N</a:t>
+            </a:r>
+          </a:p>
+        </p:txBody>
+      </p:sp>
+      <p:sp>
+        <p:nvSpPr>
+          <p:cNvPr id="24" name="Rectangle 23">
+            <a:extLst>
+              <a:ext uri="{FF2B5EF4-FFF2-40B4-BE49-F238E27FC236}">
+                <a16:creationId xmlns:a16="http://schemas.microsoft.com/office/drawing/2014/main" id="{9E28F883-288D-4C19-AFB9-50A288DB146E}"/>
+              </a:ext>
+            </a:extLst>
+          </p:cNvPr>
+          <p:cNvSpPr/>
+          <p:nvPr/>
+        </p:nvSpPr>
+        <p:spPr>
+          <a:xfrm>
+            <a:off x="5389405" y="4018970"/>
+            <a:ext cx="2592161" cy="2294164"/>
+          </a:xfrm>
+          <a:prstGeom prst="rect">
+            <a:avLst/>
+          </a:prstGeom>
+        </p:spPr>
+        <p:style>
+          <a:lnRef idx="2">
+            <a:schemeClr val="accent1">
+              <a:shade val="50000"/>
+            </a:schemeClr>
+          </a:lnRef>
+          <a:fillRef idx="1">
+            <a:schemeClr val="accent1"/>
+          </a:fillRef>
+          <a:effectRef idx="0">
+            <a:schemeClr val="accent1"/>
+          </a:effectRef>
+          <a:fontRef idx="minor">
+            <a:schemeClr val="lt1"/>
+          </a:fontRef>
+        </p:style>
+        <p:txBody>
+          <a:bodyPr rtlCol="0" anchor="ctr"/>
+          <a:lstStyle/>
+          <a:p>
+            <a:pPr algn="ctr"/>
+            <a:endParaRPr lang="en-US"/>
+          </a:p>
+        </p:txBody>
+      </p:sp>
+      <p:sp>
+        <p:nvSpPr>
+          <p:cNvPr id="25" name="TextBox 24">
+            <a:extLst>
+              <a:ext uri="{FF2B5EF4-FFF2-40B4-BE49-F238E27FC236}">
+                <a16:creationId xmlns:a16="http://schemas.microsoft.com/office/drawing/2014/main" id="{A32BDF60-8CAF-4C59-8E86-624B4BED23DC}"/>
+              </a:ext>
+            </a:extLst>
+          </p:cNvPr>
+          <p:cNvSpPr txBox="1"/>
+          <p:nvPr/>
+        </p:nvSpPr>
+        <p:spPr>
+          <a:xfrm>
+            <a:off x="5422062" y="4096531"/>
+            <a:ext cx="2490108" cy="369332"/>
+          </a:xfrm>
+          <a:prstGeom prst="rect">
+            <a:avLst/>
+          </a:prstGeom>
+          <a:noFill/>
+        </p:spPr>
+        <p:txBody>
+          <a:bodyPr wrap="square" rtlCol="0">
+            <a:spAutoFit/>
+          </a:bodyPr>
+          <a:lstStyle/>
+          <a:p>
+            <a:r>
+              <a:rPr lang="en-US" dirty="0"/>
+              <a:t>Composition</a:t>
+            </a:r>
+          </a:p>
+        </p:txBody>
+      </p:sp>
+      <p:sp>
+        <p:nvSpPr>
+          <p:cNvPr id="30" name="TextBox 29">
+            <a:extLst>
+              <a:ext uri="{FF2B5EF4-FFF2-40B4-BE49-F238E27FC236}">
+                <a16:creationId xmlns:a16="http://schemas.microsoft.com/office/drawing/2014/main" id="{4053F4C7-30D7-4E13-89EA-D26F7DF0B01D}"/>
+              </a:ext>
+            </a:extLst>
+          </p:cNvPr>
+          <p:cNvSpPr txBox="1"/>
+          <p:nvPr/>
+        </p:nvSpPr>
+        <p:spPr>
+          <a:xfrm>
+            <a:off x="5808121" y="4521074"/>
+            <a:ext cx="1457325" cy="1754326"/>
+          </a:xfrm>
+          <a:prstGeom prst="rect">
+            <a:avLst/>
+          </a:prstGeom>
+          <a:noFill/>
+        </p:spPr>
+        <p:txBody>
+          <a:bodyPr wrap="square" rtlCol="0">
+            <a:spAutoFit/>
+          </a:bodyPr>
+          <a:lstStyle/>
+          <a:p>
+            <a:r>
+              <a:rPr lang="en-US" dirty="0"/>
+              <a:t>Team</a:t>
+            </a:r>
+          </a:p>
+          <a:p>
+            <a:r>
+              <a:rPr lang="en-US" dirty="0"/>
+              <a:t>Legend1</a:t>
+            </a:r>
+            <a:br>
+              <a:rPr lang="en-US" dirty="0"/>
+            </a:br>
+            <a:r>
+              <a:rPr lang="en-US" dirty="0"/>
+              <a:t>Legend2</a:t>
+            </a:r>
+            <a:br>
+              <a:rPr lang="en-US" dirty="0"/>
+            </a:br>
+            <a:r>
+              <a:rPr lang="en-US" dirty="0"/>
+              <a:t>Legend3</a:t>
+            </a:r>
+            <a:br>
+              <a:rPr lang="en-US" dirty="0"/>
+            </a:br>
+            <a:r>
+              <a:rPr lang="en-US" dirty="0"/>
+              <a:t>Legend4</a:t>
+            </a:r>
+            <a:br>
+              <a:rPr lang="en-US" dirty="0"/>
+            </a:br>
+            <a:r>
+              <a:rPr lang="en-US" dirty="0"/>
+              <a:t>Legend5</a:t>
+            </a:r>
+          </a:p>
+        </p:txBody>
+      </p:sp>
+      <p:sp>
+        <p:nvSpPr>
+          <p:cNvPr id="31" name="Arrow: Down 30">
+            <a:extLst>
+              <a:ext uri="{FF2B5EF4-FFF2-40B4-BE49-F238E27FC236}">
+                <a16:creationId xmlns:a16="http://schemas.microsoft.com/office/drawing/2014/main" id="{712923F7-0DFF-4705-A3F2-EFE037AE4170}"/>
+              </a:ext>
+            </a:extLst>
+          </p:cNvPr>
+          <p:cNvSpPr/>
+          <p:nvPr/>
+        </p:nvSpPr>
+        <p:spPr>
+          <a:xfrm>
+            <a:off x="6023882" y="3068601"/>
+            <a:ext cx="1106261" cy="832758"/>
+          </a:xfrm>
+          <a:prstGeom prst="downArrow">
+            <a:avLst/>
+          </a:prstGeom>
+        </p:spPr>
+        <p:style>
+          <a:lnRef idx="2">
+            <a:schemeClr val="accent1">
+              <a:shade val="50000"/>
+            </a:schemeClr>
+          </a:lnRef>
+          <a:fillRef idx="1">
+            <a:schemeClr val="accent1"/>
+          </a:fillRef>
+          <a:effectRef idx="0">
+            <a:schemeClr val="accent1"/>
+          </a:effectRef>
+          <a:fontRef idx="minor">
+            <a:schemeClr val="lt1"/>
+          </a:fontRef>
+        </p:style>
+        <p:txBody>
+          <a:bodyPr rtlCol="0" anchor="ctr"/>
+          <a:lstStyle/>
+          <a:p>
+            <a:pPr algn="ctr"/>
+            <a:r>
+              <a:rPr lang="en-US" dirty="0"/>
+              <a:t>1-N</a:t>
+            </a:r>
           </a:p>
         </p:txBody>
       </p:sp>
     </p:spTree>
     <p:extLst>
       <p:ext uri="{BB962C8B-B14F-4D97-AF65-F5344CB8AC3E}">
-        <p14:creationId xmlns:p14="http://schemas.microsoft.com/office/powerpoint/2010/main" val="1615978005"/>
+        <p14:creationId xmlns:p14="http://schemas.microsoft.com/office/powerpoint/2010/main" val="99106406"/>
       </p:ext>
     </p:extLst>
   </p:cSld>
@@ -3766,10 +4316,100 @@
       </p:grpSpPr>
       <p:sp>
         <p:nvSpPr>
-          <p:cNvPr id="4" name="Rectangle 3">
-            <a:extLst>
-              <a:ext uri="{FF2B5EF4-FFF2-40B4-BE49-F238E27FC236}">
-                <a16:creationId xmlns:a16="http://schemas.microsoft.com/office/drawing/2014/main" id="{F4A4F310-9637-4656-BAAC-33FD166B6F54}"/>
+          <p:cNvPr id="2" name="TextBox 1">
+            <a:extLst>
+              <a:ext uri="{FF2B5EF4-FFF2-40B4-BE49-F238E27FC236}">
+                <a16:creationId xmlns:a16="http://schemas.microsoft.com/office/drawing/2014/main" id="{2CA213CD-36AB-4CE0-B885-B3A6F7184A1D}"/>
+              </a:ext>
+            </a:extLst>
+          </p:cNvPr>
+          <p:cNvSpPr txBox="1"/>
+          <p:nvPr/>
+        </p:nvSpPr>
+        <p:spPr>
+          <a:xfrm>
+            <a:off x="1200150" y="698046"/>
+            <a:ext cx="7837715" cy="2031325"/>
+          </a:xfrm>
+          <a:prstGeom prst="rect">
+            <a:avLst/>
+          </a:prstGeom>
+          <a:noFill/>
+        </p:spPr>
+        <p:txBody>
+          <a:bodyPr wrap="square" rtlCol="0">
+            <a:spAutoFit/>
+          </a:bodyPr>
+          <a:lstStyle/>
+          <a:p>
+            <a:pPr marL="342900" indent="-342900">
+              <a:buFont typeface="+mj-lt"/>
+              <a:buAutoNum type="arabicPeriod"/>
+            </a:pPr>
+            <a:r>
+              <a:rPr lang="en-US" dirty="0"/>
+              <a:t>Legends CRUD (Pag 1)</a:t>
+            </a:r>
+          </a:p>
+          <a:p>
+            <a:pPr marL="342900" indent="-342900">
+              <a:buFont typeface="+mj-lt"/>
+              <a:buAutoNum type="arabicPeriod"/>
+            </a:pPr>
+            <a:r>
+              <a:rPr lang="en-US" dirty="0"/>
+              <a:t>Players CRUD (Pag 2)</a:t>
+            </a:r>
+          </a:p>
+          <a:p>
+            <a:pPr marL="342900" indent="-342900">
+              <a:buFont typeface="+mj-lt"/>
+              <a:buAutoNum type="arabicPeriod"/>
+            </a:pPr>
+            <a:r>
+              <a:rPr lang="en-US" dirty="0"/>
+              <a:t>Teams CRUD (Pag 3)</a:t>
+            </a:r>
+          </a:p>
+          <a:p>
+            <a:pPr marL="342900" indent="-342900">
+              <a:buFont typeface="+mj-lt"/>
+              <a:buAutoNum type="arabicPeriod"/>
+            </a:pPr>
+            <a:r>
+              <a:rPr lang="en-US" dirty="0"/>
+              <a:t>Game CRUD (Pag4)</a:t>
+            </a:r>
+          </a:p>
+          <a:p>
+            <a:pPr marL="342900" indent="-342900">
+              <a:buFont typeface="+mj-lt"/>
+              <a:buAutoNum type="arabicPeriod"/>
+            </a:pPr>
+            <a:endParaRPr lang="en-US" dirty="0"/>
+          </a:p>
+          <a:p>
+            <a:pPr marL="342900" indent="-342900">
+              <a:buFont typeface="+mj-lt"/>
+              <a:buAutoNum type="arabicPeriod"/>
+            </a:pPr>
+            <a:endParaRPr lang="en-US" dirty="0"/>
+          </a:p>
+          <a:p>
+            <a:pPr marL="342900" indent="-342900">
+              <a:buFont typeface="+mj-lt"/>
+              <a:buAutoNum type="arabicPeriod"/>
+            </a:pPr>
+            <a:endParaRPr lang="en-US" dirty="0"/>
+          </a:p>
+        </p:txBody>
+      </p:sp>
+      <p:sp>
+        <p:nvSpPr>
+          <p:cNvPr id="23" name="Rectangle 22">
+            <a:extLst>
+              <a:ext uri="{FF2B5EF4-FFF2-40B4-BE49-F238E27FC236}">
+                <a16:creationId xmlns:a16="http://schemas.microsoft.com/office/drawing/2014/main" id="{24E6826D-62B2-4E69-89E0-F5CB6AFC59B6}"/>
               </a:ext>
             </a:extLst>
           </p:cNvPr>
@@ -3778,8 +4418,8 @@
         </p:nvSpPr>
         <p:spPr>
           <a:xfrm>
-            <a:off x="636814" y="661307"/>
-            <a:ext cx="2592161" cy="2294164"/>
+            <a:off x="5359853" y="418104"/>
+            <a:ext cx="1730828" cy="1756861"/>
           </a:xfrm>
           <a:prstGeom prst="rect">
             <a:avLst/>
@@ -3812,10 +4452,10 @@
       </p:sp>
       <p:sp>
         <p:nvSpPr>
-          <p:cNvPr id="5" name="TextBox 4">
-            <a:extLst>
-              <a:ext uri="{FF2B5EF4-FFF2-40B4-BE49-F238E27FC236}">
-                <a16:creationId xmlns:a16="http://schemas.microsoft.com/office/drawing/2014/main" id="{F81BA229-A953-4E53-8F45-BE627839448B}"/>
+          <p:cNvPr id="24" name="TextBox 23">
+            <a:extLst>
+              <a:ext uri="{FF2B5EF4-FFF2-40B4-BE49-F238E27FC236}">
+                <a16:creationId xmlns:a16="http://schemas.microsoft.com/office/drawing/2014/main" id="{5C7B0608-DE5A-4D22-BF70-247FDF98F415}"/>
               </a:ext>
             </a:extLst>
           </p:cNvPr>
@@ -3824,8 +4464,8 @@
         </p:nvSpPr>
         <p:spPr>
           <a:xfrm>
-            <a:off x="669471" y="738868"/>
-            <a:ext cx="2490108" cy="369332"/>
+            <a:off x="5576206" y="577308"/>
+            <a:ext cx="1457325" cy="1477328"/>
           </a:xfrm>
           <a:prstGeom prst="rect">
             <a:avLst/>
@@ -3840,83 +4480,41 @@
           <a:p>
             <a:r>
               <a:rPr lang="en-US" dirty="0"/>
-              <a:t>Players</a:t>
-            </a:r>
-          </a:p>
-        </p:txBody>
-      </p:sp>
-      <p:sp>
-        <p:nvSpPr>
-          <p:cNvPr id="6" name="TextBox 5">
-            <a:extLst>
-              <a:ext uri="{FF2B5EF4-FFF2-40B4-BE49-F238E27FC236}">
-                <a16:creationId xmlns:a16="http://schemas.microsoft.com/office/drawing/2014/main" id="{C7375BE6-ACD1-42D6-9531-F41643DB39AF}"/>
-              </a:ext>
-            </a:extLst>
-          </p:cNvPr>
-          <p:cNvSpPr txBox="1"/>
-          <p:nvPr/>
-        </p:nvSpPr>
-        <p:spPr>
-          <a:xfrm>
-            <a:off x="1077686" y="1163411"/>
-            <a:ext cx="1457325" cy="1754326"/>
-          </a:xfrm>
-          <a:prstGeom prst="rect">
-            <a:avLst/>
-          </a:prstGeom>
-          <a:noFill/>
-        </p:spPr>
-        <p:txBody>
-          <a:bodyPr wrap="square" rtlCol="0">
-            <a:spAutoFit/>
-          </a:bodyPr>
-          <a:lstStyle/>
-          <a:p>
-            <a:r>
-              <a:rPr lang="en-US" dirty="0"/>
-              <a:t>Name</a:t>
-            </a:r>
-          </a:p>
-          <a:p>
-            <a:r>
-              <a:rPr lang="en-US" dirty="0"/>
-              <a:t>Surname</a:t>
-            </a:r>
-          </a:p>
-          <a:p>
-            <a:r>
-              <a:rPr lang="en-US" dirty="0"/>
-              <a:t>Nickname</a:t>
-            </a:r>
-          </a:p>
-          <a:p>
-            <a:r>
-              <a:rPr lang="en-US" dirty="0"/>
-              <a:t>Nationality</a:t>
-            </a:r>
-          </a:p>
-          <a:p>
-            <a:r>
-              <a:rPr lang="en-US" dirty="0"/>
-              <a:t>Category</a:t>
-            </a:r>
-          </a:p>
-          <a:p>
-            <a:r>
-              <a:rPr lang="en-US" dirty="0" err="1"/>
-              <a:t>BirthDay</a:t>
-            </a:r>
-            <a:endParaRPr lang="en-US" dirty="0"/>
-          </a:p>
-        </p:txBody>
-      </p:sp>
-      <p:sp>
-        <p:nvSpPr>
-          <p:cNvPr id="8" name="Rectangle 7">
-            <a:extLst>
-              <a:ext uri="{FF2B5EF4-FFF2-40B4-BE49-F238E27FC236}">
-                <a16:creationId xmlns:a16="http://schemas.microsoft.com/office/drawing/2014/main" id="{4EF026F1-D717-4721-B06D-FE7825F93A0D}"/>
+              <a:t>Team1</a:t>
+            </a:r>
+          </a:p>
+          <a:p>
+            <a:r>
+              <a:rPr lang="en-US" dirty="0"/>
+              <a:t>DLL Teams</a:t>
+            </a:r>
+          </a:p>
+          <a:p>
+            <a:r>
+              <a:rPr lang="en-US" dirty="0"/>
+              <a:t>DLL Player1</a:t>
+            </a:r>
+          </a:p>
+          <a:p>
+            <a:r>
+              <a:rPr lang="en-US" dirty="0"/>
+              <a:t>…</a:t>
+            </a:r>
+          </a:p>
+          <a:p>
+            <a:r>
+              <a:rPr lang="en-US" dirty="0"/>
+              <a:t>…</a:t>
+            </a:r>
+          </a:p>
+        </p:txBody>
+      </p:sp>
+      <p:sp>
+        <p:nvSpPr>
+          <p:cNvPr id="30" name="Rectangle 29">
+            <a:extLst>
+              <a:ext uri="{FF2B5EF4-FFF2-40B4-BE49-F238E27FC236}">
+                <a16:creationId xmlns:a16="http://schemas.microsoft.com/office/drawing/2014/main" id="{72306986-7059-4574-9A06-531A76D2895A}"/>
               </a:ext>
             </a:extLst>
           </p:cNvPr>
@@ -3925,8 +4523,8 @@
         </p:nvSpPr>
         <p:spPr>
           <a:xfrm>
-            <a:off x="5407479" y="662478"/>
-            <a:ext cx="2592161" cy="2294164"/>
+            <a:off x="612322" y="2718792"/>
+            <a:ext cx="4237264" cy="3113136"/>
           </a:xfrm>
           <a:prstGeom prst="rect">
             <a:avLst/>
@@ -3959,10 +4557,10 @@
       </p:sp>
       <p:sp>
         <p:nvSpPr>
-          <p:cNvPr id="9" name="TextBox 8">
-            <a:extLst>
-              <a:ext uri="{FF2B5EF4-FFF2-40B4-BE49-F238E27FC236}">
-                <a16:creationId xmlns:a16="http://schemas.microsoft.com/office/drawing/2014/main" id="{D0909011-22CF-4B28-9B27-A86A39692144}"/>
+          <p:cNvPr id="31" name="TextBox 30">
+            <a:extLst>
+              <a:ext uri="{FF2B5EF4-FFF2-40B4-BE49-F238E27FC236}">
+                <a16:creationId xmlns:a16="http://schemas.microsoft.com/office/drawing/2014/main" id="{6F3BB9C9-DFC4-4B09-94C1-C0E79DAF4E1B}"/>
               </a:ext>
             </a:extLst>
           </p:cNvPr>
@@ -3971,8 +4569,8 @@
         </p:nvSpPr>
         <p:spPr>
           <a:xfrm>
-            <a:off x="5440136" y="740039"/>
-            <a:ext cx="2490108" cy="369332"/>
+            <a:off x="828674" y="2850109"/>
+            <a:ext cx="4191855" cy="646331"/>
           </a:xfrm>
           <a:prstGeom prst="rect">
             <a:avLst/>
@@ -3987,17 +4585,20 @@
           <a:p>
             <a:r>
               <a:rPr lang="en-US" dirty="0"/>
-              <a:t>Composition</a:t>
-            </a:r>
-          </a:p>
-        </p:txBody>
-      </p:sp>
-      <p:sp>
-        <p:nvSpPr>
-          <p:cNvPr id="10" name="TextBox 9">
-            <a:extLst>
-              <a:ext uri="{FF2B5EF4-FFF2-40B4-BE49-F238E27FC236}">
-                <a16:creationId xmlns:a16="http://schemas.microsoft.com/office/drawing/2014/main" id="{3B7E9C48-9282-4D45-B523-2195DAF5D2A3}"/>
+              <a:t>Game</a:t>
+            </a:r>
+          </a:p>
+          <a:p>
+            <a:endParaRPr lang="en-US" dirty="0"/>
+          </a:p>
+        </p:txBody>
+      </p:sp>
+      <p:sp>
+        <p:nvSpPr>
+          <p:cNvPr id="3" name="TextBox 2">
+            <a:extLst>
+              <a:ext uri="{FF2B5EF4-FFF2-40B4-BE49-F238E27FC236}">
+                <a16:creationId xmlns:a16="http://schemas.microsoft.com/office/drawing/2014/main" id="{AE3F62F9-0786-4EF6-A8AF-629366C4EE29}"/>
               </a:ext>
             </a:extLst>
           </p:cNvPr>
@@ -4006,8 +4607,8 @@
         </p:nvSpPr>
         <p:spPr>
           <a:xfrm>
-            <a:off x="5848351" y="1164582"/>
-            <a:ext cx="1457325" cy="1477328"/>
+            <a:off x="828674" y="3439792"/>
+            <a:ext cx="1408341" cy="923330"/>
           </a:xfrm>
           <a:prstGeom prst="rect">
             <a:avLst/>
@@ -4022,41 +4623,117 @@
           <a:p>
             <a:r>
               <a:rPr lang="en-US" dirty="0"/>
-              <a:t>Team</a:t>
-            </a:r>
-          </a:p>
-          <a:p>
-            <a:r>
-              <a:rPr lang="en-US" dirty="0"/>
-              <a:t>Player1</a:t>
-            </a:r>
-          </a:p>
-          <a:p>
-            <a:r>
-              <a:rPr lang="en-US" dirty="0"/>
-              <a:t>Character1</a:t>
-            </a:r>
-          </a:p>
-          <a:p>
-            <a:r>
-              <a:rPr lang="en-US" dirty="0"/>
-              <a:t>Player2</a:t>
-            </a:r>
-          </a:p>
-          <a:p>
-            <a:r>
-              <a:rPr lang="en-US" dirty="0"/>
-              <a:t>Character2</a:t>
-            </a:r>
-          </a:p>
-        </p:txBody>
-      </p:sp>
-      <p:sp>
-        <p:nvSpPr>
-          <p:cNvPr id="14" name="Rectangle 13">
-            <a:extLst>
-              <a:ext uri="{FF2B5EF4-FFF2-40B4-BE49-F238E27FC236}">
-                <a16:creationId xmlns:a16="http://schemas.microsoft.com/office/drawing/2014/main" id="{843DAAB1-427B-4ED1-8AA5-035171FA0918}"/>
+              <a:t>Team1</a:t>
+            </a:r>
+          </a:p>
+          <a:p>
+            <a:r>
+              <a:rPr lang="en-US" dirty="0"/>
+              <a:t>DDL Leg1</a:t>
+            </a:r>
+          </a:p>
+          <a:p>
+            <a:r>
+              <a:rPr lang="en-US" dirty="0"/>
+              <a:t>DLL Leg2</a:t>
+            </a:r>
+          </a:p>
+        </p:txBody>
+      </p:sp>
+      <p:sp>
+        <p:nvSpPr>
+          <p:cNvPr id="12" name="TextBox 11">
+            <a:extLst>
+              <a:ext uri="{FF2B5EF4-FFF2-40B4-BE49-F238E27FC236}">
+                <a16:creationId xmlns:a16="http://schemas.microsoft.com/office/drawing/2014/main" id="{60FFCF90-6CE6-492C-82FD-916EB77BF699}"/>
+              </a:ext>
+            </a:extLst>
+          </p:cNvPr>
+          <p:cNvSpPr txBox="1"/>
+          <p:nvPr/>
+        </p:nvSpPr>
+        <p:spPr>
+          <a:xfrm>
+            <a:off x="3135085" y="3429143"/>
+            <a:ext cx="1408341" cy="923330"/>
+          </a:xfrm>
+          <a:prstGeom prst="rect">
+            <a:avLst/>
+          </a:prstGeom>
+          <a:noFill/>
+        </p:spPr>
+        <p:txBody>
+          <a:bodyPr wrap="square" rtlCol="0">
+            <a:spAutoFit/>
+          </a:bodyPr>
+          <a:lstStyle/>
+          <a:p>
+            <a:r>
+              <a:rPr lang="en-US" dirty="0"/>
+              <a:t>Team2</a:t>
+            </a:r>
+          </a:p>
+          <a:p>
+            <a:r>
+              <a:rPr lang="en-US" dirty="0"/>
+              <a:t>DDL Leg1</a:t>
+            </a:r>
+          </a:p>
+          <a:p>
+            <a:r>
+              <a:rPr lang="en-US" dirty="0"/>
+              <a:t>DLL Leg2</a:t>
+            </a:r>
+          </a:p>
+        </p:txBody>
+      </p:sp>
+      <p:sp>
+        <p:nvSpPr>
+          <p:cNvPr id="4" name="TextBox 3">
+            <a:extLst>
+              <a:ext uri="{FF2B5EF4-FFF2-40B4-BE49-F238E27FC236}">
+                <a16:creationId xmlns:a16="http://schemas.microsoft.com/office/drawing/2014/main" id="{572A1BC4-C406-4CD8-B728-9A9425AF62FD}"/>
+              </a:ext>
+            </a:extLst>
+          </p:cNvPr>
+          <p:cNvSpPr txBox="1"/>
+          <p:nvPr/>
+        </p:nvSpPr>
+        <p:spPr>
+          <a:xfrm>
+            <a:off x="828675" y="4966513"/>
+            <a:ext cx="1277712" cy="646331"/>
+          </a:xfrm>
+          <a:prstGeom prst="rect">
+            <a:avLst/>
+          </a:prstGeom>
+          <a:noFill/>
+        </p:spPr>
+        <p:txBody>
+          <a:bodyPr wrap="square" rtlCol="0">
+            <a:spAutoFit/>
+          </a:bodyPr>
+          <a:lstStyle/>
+          <a:p>
+            <a:r>
+              <a:rPr lang="en-US" dirty="0"/>
+              <a:t>Winner</a:t>
+            </a:r>
+          </a:p>
+          <a:p>
+            <a:r>
+              <a:rPr lang="en-US" dirty="0"/>
+              <a:t>Data</a:t>
+            </a:r>
+          </a:p>
+        </p:txBody>
+      </p:sp>
+      <p:sp>
+        <p:nvSpPr>
+          <p:cNvPr id="5" name="Arrow: Right 4">
+            <a:extLst>
+              <a:ext uri="{FF2B5EF4-FFF2-40B4-BE49-F238E27FC236}">
+                <a16:creationId xmlns:a16="http://schemas.microsoft.com/office/drawing/2014/main" id="{968A5505-897B-4DFA-9E3B-D37F5307E81E}"/>
               </a:ext>
             </a:extLst>
           </p:cNvPr>
@@ -4065,10 +4742,10 @@
         </p:nvSpPr>
         <p:spPr>
           <a:xfrm>
-            <a:off x="5407479" y="4254270"/>
-            <a:ext cx="2592161" cy="2294164"/>
-          </a:xfrm>
-          <a:prstGeom prst="rect">
+            <a:off x="3706586" y="1341673"/>
+            <a:ext cx="1485900" cy="229952"/>
+          </a:xfrm>
+          <a:prstGeom prst="rightArrow">
             <a:avLst/>
           </a:prstGeom>
         </p:spPr>
@@ -4099,102 +4776,10 @@
       </p:sp>
       <p:sp>
         <p:nvSpPr>
-          <p:cNvPr id="15" name="TextBox 14">
-            <a:extLst>
-              <a:ext uri="{FF2B5EF4-FFF2-40B4-BE49-F238E27FC236}">
-                <a16:creationId xmlns:a16="http://schemas.microsoft.com/office/drawing/2014/main" id="{16A2EF4A-6406-4C19-B35D-FDE6DF558797}"/>
-              </a:ext>
-            </a:extLst>
-          </p:cNvPr>
-          <p:cNvSpPr txBox="1"/>
-          <p:nvPr/>
-        </p:nvSpPr>
-        <p:spPr>
-          <a:xfrm>
-            <a:off x="5440136" y="4331831"/>
-            <a:ext cx="2490108" cy="369332"/>
-          </a:xfrm>
-          <a:prstGeom prst="rect">
-            <a:avLst/>
-          </a:prstGeom>
-          <a:noFill/>
-        </p:spPr>
-        <p:txBody>
-          <a:bodyPr wrap="square" rtlCol="0">
-            <a:spAutoFit/>
-          </a:bodyPr>
-          <a:lstStyle/>
-          <a:p>
-            <a:r>
-              <a:rPr lang="en-US" dirty="0"/>
-              <a:t>Games</a:t>
-            </a:r>
-          </a:p>
-        </p:txBody>
-      </p:sp>
-      <p:sp>
-        <p:nvSpPr>
-          <p:cNvPr id="16" name="TextBox 15">
-            <a:extLst>
-              <a:ext uri="{FF2B5EF4-FFF2-40B4-BE49-F238E27FC236}">
-                <a16:creationId xmlns:a16="http://schemas.microsoft.com/office/drawing/2014/main" id="{DD66D060-1560-4246-923C-C5673B5CB5D5}"/>
-              </a:ext>
-            </a:extLst>
-          </p:cNvPr>
-          <p:cNvSpPr txBox="1"/>
-          <p:nvPr/>
-        </p:nvSpPr>
-        <p:spPr>
-          <a:xfrm>
-            <a:off x="5848351" y="4756374"/>
-            <a:ext cx="1457325" cy="1477328"/>
-          </a:xfrm>
-          <a:prstGeom prst="rect">
-            <a:avLst/>
-          </a:prstGeom>
-          <a:noFill/>
-        </p:spPr>
-        <p:txBody>
-          <a:bodyPr wrap="square" rtlCol="0">
-            <a:spAutoFit/>
-          </a:bodyPr>
-          <a:lstStyle/>
-          <a:p>
-            <a:r>
-              <a:rPr lang="en-US" dirty="0"/>
-              <a:t>Team1Name</a:t>
-            </a:r>
-          </a:p>
-          <a:p>
-            <a:r>
-              <a:rPr lang="en-US" dirty="0"/>
-              <a:t>Team2Name</a:t>
-            </a:r>
-          </a:p>
-          <a:p>
-            <a:r>
-              <a:rPr lang="en-US" dirty="0"/>
-              <a:t>Winner</a:t>
-            </a:r>
-          </a:p>
-          <a:p>
-            <a:r>
-              <a:rPr lang="en-US" dirty="0" err="1"/>
-              <a:t>GameDate</a:t>
-            </a:r>
-            <a:endParaRPr lang="en-US" dirty="0"/>
-          </a:p>
-          <a:p>
-            <a:endParaRPr lang="en-US" dirty="0"/>
-          </a:p>
-        </p:txBody>
-      </p:sp>
-      <p:sp>
-        <p:nvSpPr>
-          <p:cNvPr id="7" name="Arrow: Right 6">
-            <a:extLst>
-              <a:ext uri="{FF2B5EF4-FFF2-40B4-BE49-F238E27FC236}">
-                <a16:creationId xmlns:a16="http://schemas.microsoft.com/office/drawing/2014/main" id="{927D33FB-F4FE-4496-A0B1-113D9FC55D0C}"/>
+          <p:cNvPr id="6" name="Arrow: Down 5">
+            <a:extLst>
+              <a:ext uri="{FF2B5EF4-FFF2-40B4-BE49-F238E27FC236}">
+                <a16:creationId xmlns:a16="http://schemas.microsoft.com/office/drawing/2014/main" id="{06E6E8A8-B3DA-4462-B523-03A59D55B6CB}"/>
               </a:ext>
             </a:extLst>
           </p:cNvPr>
@@ -4203,10 +4788,10 @@
         </p:nvSpPr>
         <p:spPr>
           <a:xfrm>
-            <a:off x="3441245" y="1347107"/>
-            <a:ext cx="1792061" cy="1126672"/>
-          </a:xfrm>
-          <a:prstGeom prst="rightArrow">
+            <a:off x="2510518" y="1951264"/>
+            <a:ext cx="669471" cy="685800"/>
+          </a:xfrm>
+          <a:prstGeom prst="downArrow">
             <a:avLst/>
           </a:prstGeom>
         </p:spPr>
@@ -4231,732 +4816,7 @@
           <a:lstStyle/>
           <a:p>
             <a:pPr algn="ctr"/>
-            <a:r>
-              <a:rPr lang="en-US" dirty="0"/>
-              <a:t>N-N</a:t>
-            </a:r>
-          </a:p>
-        </p:txBody>
-      </p:sp>
-      <p:sp>
-        <p:nvSpPr>
-          <p:cNvPr id="17" name="Arrow: Down 16">
-            <a:extLst>
-              <a:ext uri="{FF2B5EF4-FFF2-40B4-BE49-F238E27FC236}">
-                <a16:creationId xmlns:a16="http://schemas.microsoft.com/office/drawing/2014/main" id="{06DBFD00-3DA7-4CAD-9840-E7E3DF0DF36A}"/>
-              </a:ext>
-            </a:extLst>
-          </p:cNvPr>
-          <p:cNvSpPr/>
-          <p:nvPr/>
-        </p:nvSpPr>
-        <p:spPr>
-          <a:xfrm>
-            <a:off x="5542869" y="3245607"/>
-            <a:ext cx="1106261" cy="832758"/>
-          </a:xfrm>
-          <a:prstGeom prst="downArrow">
-            <a:avLst/>
-          </a:prstGeom>
-        </p:spPr>
-        <p:style>
-          <a:lnRef idx="2">
-            <a:schemeClr val="accent1">
-              <a:shade val="50000"/>
-            </a:schemeClr>
-          </a:lnRef>
-          <a:fillRef idx="1">
-            <a:schemeClr val="accent1"/>
-          </a:fillRef>
-          <a:effectRef idx="0">
-            <a:schemeClr val="accent1"/>
-          </a:effectRef>
-          <a:fontRef idx="minor">
-            <a:schemeClr val="lt1"/>
-          </a:fontRef>
-        </p:style>
-        <p:txBody>
-          <a:bodyPr rtlCol="0" anchor="ctr"/>
-          <a:lstStyle/>
-          <a:p>
-            <a:pPr algn="ctr"/>
-            <a:r>
-              <a:rPr lang="en-US" dirty="0"/>
-              <a:t>1-N</a:t>
-            </a:r>
-          </a:p>
-        </p:txBody>
-      </p:sp>
-      <p:sp>
-        <p:nvSpPr>
-          <p:cNvPr id="19" name="Arrow: Down 18">
-            <a:extLst>
-              <a:ext uri="{FF2B5EF4-FFF2-40B4-BE49-F238E27FC236}">
-                <a16:creationId xmlns:a16="http://schemas.microsoft.com/office/drawing/2014/main" id="{81C83088-42FD-4FE3-BF1F-3BC91E060FD9}"/>
-              </a:ext>
-            </a:extLst>
-          </p:cNvPr>
-          <p:cNvSpPr/>
-          <p:nvPr/>
-        </p:nvSpPr>
-        <p:spPr>
-          <a:xfrm>
-            <a:off x="6834866" y="3245607"/>
-            <a:ext cx="1106261" cy="832758"/>
-          </a:xfrm>
-          <a:prstGeom prst="downArrow">
-            <a:avLst/>
-          </a:prstGeom>
-        </p:spPr>
-        <p:style>
-          <a:lnRef idx="2">
-            <a:schemeClr val="accent1">
-              <a:shade val="50000"/>
-            </a:schemeClr>
-          </a:lnRef>
-          <a:fillRef idx="1">
-            <a:schemeClr val="accent1"/>
-          </a:fillRef>
-          <a:effectRef idx="0">
-            <a:schemeClr val="accent1"/>
-          </a:effectRef>
-          <a:fontRef idx="minor">
-            <a:schemeClr val="lt1"/>
-          </a:fontRef>
-        </p:style>
-        <p:txBody>
-          <a:bodyPr rtlCol="0" anchor="ctr"/>
-          <a:lstStyle/>
-          <a:p>
-            <a:pPr algn="ctr"/>
-            <a:r>
-              <a:rPr lang="en-US" dirty="0"/>
-              <a:t>1-N</a:t>
-            </a:r>
-          </a:p>
-        </p:txBody>
-      </p:sp>
-      <p:sp>
-        <p:nvSpPr>
-          <p:cNvPr id="20" name="Rectangle 19">
-            <a:extLst>
-              <a:ext uri="{FF2B5EF4-FFF2-40B4-BE49-F238E27FC236}">
-                <a16:creationId xmlns:a16="http://schemas.microsoft.com/office/drawing/2014/main" id="{22054C66-BD4E-438A-9A7B-4C9ECA425502}"/>
-              </a:ext>
-            </a:extLst>
-          </p:cNvPr>
-          <p:cNvSpPr/>
-          <p:nvPr/>
-        </p:nvSpPr>
-        <p:spPr>
-          <a:xfrm>
-            <a:off x="628652" y="3088241"/>
-            <a:ext cx="2592161" cy="1338943"/>
-          </a:xfrm>
-          <a:prstGeom prst="rect">
-            <a:avLst/>
-          </a:prstGeom>
-        </p:spPr>
-        <p:style>
-          <a:lnRef idx="2">
-            <a:schemeClr val="accent1">
-              <a:shade val="50000"/>
-            </a:schemeClr>
-          </a:lnRef>
-          <a:fillRef idx="1">
-            <a:schemeClr val="accent1"/>
-          </a:fillRef>
-          <a:effectRef idx="0">
-            <a:schemeClr val="accent1"/>
-          </a:effectRef>
-          <a:fontRef idx="minor">
-            <a:schemeClr val="lt1"/>
-          </a:fontRef>
-        </p:style>
-        <p:txBody>
-          <a:bodyPr rtlCol="0" anchor="ctr"/>
-          <a:lstStyle/>
-          <a:p>
-            <a:pPr algn="ctr"/>
             <a:endParaRPr lang="en-US"/>
-          </a:p>
-        </p:txBody>
-      </p:sp>
-      <p:sp>
-        <p:nvSpPr>
-          <p:cNvPr id="21" name="TextBox 20">
-            <a:extLst>
-              <a:ext uri="{FF2B5EF4-FFF2-40B4-BE49-F238E27FC236}">
-                <a16:creationId xmlns:a16="http://schemas.microsoft.com/office/drawing/2014/main" id="{70E9587C-1029-4D9E-9010-0BA6E19E9E96}"/>
-              </a:ext>
-            </a:extLst>
-          </p:cNvPr>
-          <p:cNvSpPr txBox="1"/>
-          <p:nvPr/>
-        </p:nvSpPr>
-        <p:spPr>
-          <a:xfrm>
-            <a:off x="661309" y="3165802"/>
-            <a:ext cx="2490108" cy="369332"/>
-          </a:xfrm>
-          <a:prstGeom prst="rect">
-            <a:avLst/>
-          </a:prstGeom>
-          <a:noFill/>
-        </p:spPr>
-        <p:txBody>
-          <a:bodyPr wrap="square" rtlCol="0">
-            <a:spAutoFit/>
-          </a:bodyPr>
-          <a:lstStyle/>
-          <a:p>
-            <a:r>
-              <a:rPr lang="en-US" dirty="0"/>
-              <a:t>Legends</a:t>
-            </a:r>
-          </a:p>
-        </p:txBody>
-      </p:sp>
-      <p:sp>
-        <p:nvSpPr>
-          <p:cNvPr id="22" name="TextBox 21">
-            <a:extLst>
-              <a:ext uri="{FF2B5EF4-FFF2-40B4-BE49-F238E27FC236}">
-                <a16:creationId xmlns:a16="http://schemas.microsoft.com/office/drawing/2014/main" id="{2C2FBDD6-0105-4F5E-BA4E-7E72C0286454}"/>
-              </a:ext>
-            </a:extLst>
-          </p:cNvPr>
-          <p:cNvSpPr txBox="1"/>
-          <p:nvPr/>
-        </p:nvSpPr>
-        <p:spPr>
-          <a:xfrm>
-            <a:off x="1069524" y="3590345"/>
-            <a:ext cx="1457325" cy="1200329"/>
-          </a:xfrm>
-          <a:prstGeom prst="rect">
-            <a:avLst/>
-          </a:prstGeom>
-          <a:noFill/>
-        </p:spPr>
-        <p:txBody>
-          <a:bodyPr wrap="square" rtlCol="0">
-            <a:spAutoFit/>
-          </a:bodyPr>
-          <a:lstStyle/>
-          <a:p>
-            <a:r>
-              <a:rPr lang="en-US" dirty="0"/>
-              <a:t>Name</a:t>
-            </a:r>
-          </a:p>
-          <a:p>
-            <a:r>
-              <a:rPr lang="en-US" dirty="0"/>
-              <a:t>Category</a:t>
-            </a:r>
-          </a:p>
-          <a:p>
-            <a:r>
-              <a:rPr lang="en-US" dirty="0"/>
-              <a:t>Bio</a:t>
-            </a:r>
-          </a:p>
-          <a:p>
-            <a:endParaRPr lang="en-US" dirty="0"/>
-          </a:p>
-        </p:txBody>
-      </p:sp>
-      <p:sp>
-        <p:nvSpPr>
-          <p:cNvPr id="26" name="Rectangle 25">
-            <a:extLst>
-              <a:ext uri="{FF2B5EF4-FFF2-40B4-BE49-F238E27FC236}">
-                <a16:creationId xmlns:a16="http://schemas.microsoft.com/office/drawing/2014/main" id="{598329C9-2223-4906-9F12-529B9624ADD8}"/>
-              </a:ext>
-            </a:extLst>
-          </p:cNvPr>
-          <p:cNvSpPr/>
-          <p:nvPr/>
-        </p:nvSpPr>
-        <p:spPr>
-          <a:xfrm>
-            <a:off x="9493704" y="661307"/>
-            <a:ext cx="2592161" cy="2294164"/>
-          </a:xfrm>
-          <a:prstGeom prst="rect">
-            <a:avLst/>
-          </a:prstGeom>
-        </p:spPr>
-        <p:style>
-          <a:lnRef idx="2">
-            <a:schemeClr val="accent1">
-              <a:shade val="50000"/>
-            </a:schemeClr>
-          </a:lnRef>
-          <a:fillRef idx="1">
-            <a:schemeClr val="accent1"/>
-          </a:fillRef>
-          <a:effectRef idx="0">
-            <a:schemeClr val="accent1"/>
-          </a:effectRef>
-          <a:fontRef idx="minor">
-            <a:schemeClr val="lt1"/>
-          </a:fontRef>
-        </p:style>
-        <p:txBody>
-          <a:bodyPr rtlCol="0" anchor="ctr"/>
-          <a:lstStyle/>
-          <a:p>
-            <a:pPr algn="ctr"/>
-            <a:endParaRPr lang="en-US"/>
-          </a:p>
-        </p:txBody>
-      </p:sp>
-      <p:sp>
-        <p:nvSpPr>
-          <p:cNvPr id="27" name="TextBox 26">
-            <a:extLst>
-              <a:ext uri="{FF2B5EF4-FFF2-40B4-BE49-F238E27FC236}">
-                <a16:creationId xmlns:a16="http://schemas.microsoft.com/office/drawing/2014/main" id="{1345EAE2-5ABD-447C-B872-89762764A730}"/>
-              </a:ext>
-            </a:extLst>
-          </p:cNvPr>
-          <p:cNvSpPr txBox="1"/>
-          <p:nvPr/>
-        </p:nvSpPr>
-        <p:spPr>
-          <a:xfrm>
-            <a:off x="9526361" y="738868"/>
-            <a:ext cx="2490108" cy="369332"/>
-          </a:xfrm>
-          <a:prstGeom prst="rect">
-            <a:avLst/>
-          </a:prstGeom>
-          <a:noFill/>
-        </p:spPr>
-        <p:txBody>
-          <a:bodyPr wrap="square" rtlCol="0">
-            <a:spAutoFit/>
-          </a:bodyPr>
-          <a:lstStyle/>
-          <a:p>
-            <a:r>
-              <a:rPr lang="en-US" dirty="0"/>
-              <a:t>Team</a:t>
-            </a:r>
-          </a:p>
-        </p:txBody>
-      </p:sp>
-      <p:sp>
-        <p:nvSpPr>
-          <p:cNvPr id="28" name="TextBox 27">
-            <a:extLst>
-              <a:ext uri="{FF2B5EF4-FFF2-40B4-BE49-F238E27FC236}">
-                <a16:creationId xmlns:a16="http://schemas.microsoft.com/office/drawing/2014/main" id="{0C2A85BF-2480-4F88-8F49-296459CDE142}"/>
-              </a:ext>
-            </a:extLst>
-          </p:cNvPr>
-          <p:cNvSpPr txBox="1"/>
-          <p:nvPr/>
-        </p:nvSpPr>
-        <p:spPr>
-          <a:xfrm>
-            <a:off x="9934576" y="1163411"/>
-            <a:ext cx="1457325" cy="369332"/>
-          </a:xfrm>
-          <a:prstGeom prst="rect">
-            <a:avLst/>
-          </a:prstGeom>
-          <a:noFill/>
-        </p:spPr>
-        <p:txBody>
-          <a:bodyPr wrap="square" rtlCol="0">
-            <a:spAutoFit/>
-          </a:bodyPr>
-          <a:lstStyle/>
-          <a:p>
-            <a:r>
-              <a:rPr lang="en-US" dirty="0"/>
-              <a:t>Name</a:t>
-            </a:r>
-          </a:p>
-        </p:txBody>
-      </p:sp>
-      <p:sp>
-        <p:nvSpPr>
-          <p:cNvPr id="29" name="Arrow: Left 28">
-            <a:extLst>
-              <a:ext uri="{FF2B5EF4-FFF2-40B4-BE49-F238E27FC236}">
-                <a16:creationId xmlns:a16="http://schemas.microsoft.com/office/drawing/2014/main" id="{7EDECE33-1D46-4394-B080-4065C7EFDE08}"/>
-              </a:ext>
-            </a:extLst>
-          </p:cNvPr>
-          <p:cNvSpPr/>
-          <p:nvPr/>
-        </p:nvSpPr>
-        <p:spPr>
-          <a:xfrm>
-            <a:off x="8188779" y="1532743"/>
-            <a:ext cx="1051833" cy="736928"/>
-          </a:xfrm>
-          <a:prstGeom prst="leftArrow">
-            <a:avLst/>
-          </a:prstGeom>
-        </p:spPr>
-        <p:style>
-          <a:lnRef idx="2">
-            <a:schemeClr val="accent1">
-              <a:shade val="50000"/>
-            </a:schemeClr>
-          </a:lnRef>
-          <a:fillRef idx="1">
-            <a:schemeClr val="accent1"/>
-          </a:fillRef>
-          <a:effectRef idx="0">
-            <a:schemeClr val="accent1"/>
-          </a:effectRef>
-          <a:fontRef idx="minor">
-            <a:schemeClr val="lt1"/>
-          </a:fontRef>
-        </p:style>
-        <p:txBody>
-          <a:bodyPr rtlCol="0" anchor="ctr"/>
-          <a:lstStyle/>
-          <a:p>
-            <a:pPr algn="ctr"/>
-            <a:r>
-              <a:rPr lang="en-US" dirty="0"/>
-              <a:t>1-N</a:t>
-            </a:r>
-          </a:p>
-        </p:txBody>
-      </p:sp>
-    </p:spTree>
-    <p:extLst>
-      <p:ext uri="{BB962C8B-B14F-4D97-AF65-F5344CB8AC3E}">
-        <p14:creationId xmlns:p14="http://schemas.microsoft.com/office/powerpoint/2010/main" val="99106406"/>
-      </p:ext>
-    </p:extLst>
-  </p:cSld>
-  <p:clrMapOvr>
-    <a:masterClrMapping/>
-  </p:clrMapOvr>
-</p:sld>
-</file>
-
-<file path=ppt/slides/slide3.xml><?xml version="1.0" encoding="utf-8"?>
-<p:sld xmlns:a="http://schemas.openxmlformats.org/drawingml/2006/main" xmlns:r="http://schemas.openxmlformats.org/officeDocument/2006/relationships" xmlns:p="http://schemas.openxmlformats.org/presentationml/2006/main">
-  <p:cSld>
-    <p:spTree>
-      <p:nvGrpSpPr>
-        <p:cNvPr id="1" name=""/>
-        <p:cNvGrpSpPr/>
-        <p:nvPr/>
-      </p:nvGrpSpPr>
-      <p:grpSpPr>
-        <a:xfrm>
-          <a:off x="0" y="0"/>
-          <a:ext cx="0" cy="0"/>
-          <a:chOff x="0" y="0"/>
-          <a:chExt cx="0" cy="0"/>
-        </a:xfrm>
-      </p:grpSpPr>
-      <p:sp>
-        <p:nvSpPr>
-          <p:cNvPr id="2" name="TextBox 1">
-            <a:extLst>
-              <a:ext uri="{FF2B5EF4-FFF2-40B4-BE49-F238E27FC236}">
-                <a16:creationId xmlns:a16="http://schemas.microsoft.com/office/drawing/2014/main" id="{2CA213CD-36AB-4CE0-B885-B3A6F7184A1D}"/>
-              </a:ext>
-            </a:extLst>
-          </p:cNvPr>
-          <p:cNvSpPr txBox="1"/>
-          <p:nvPr/>
-        </p:nvSpPr>
-        <p:spPr>
-          <a:xfrm>
-            <a:off x="1212396" y="698046"/>
-            <a:ext cx="7837715" cy="2308324"/>
-          </a:xfrm>
-          <a:prstGeom prst="rect">
-            <a:avLst/>
-          </a:prstGeom>
-          <a:noFill/>
-        </p:spPr>
-        <p:txBody>
-          <a:bodyPr wrap="square" rtlCol="0">
-            <a:spAutoFit/>
-          </a:bodyPr>
-          <a:lstStyle/>
-          <a:p>
-            <a:pPr marL="342900" indent="-342900">
-              <a:buFont typeface="+mj-lt"/>
-              <a:buAutoNum type="arabicPeriod"/>
-            </a:pPr>
-            <a:r>
-              <a:rPr lang="en-US" dirty="0"/>
-              <a:t>Legends CRUD (Pag 1)</a:t>
-            </a:r>
-          </a:p>
-          <a:p>
-            <a:pPr marL="342900" indent="-342900">
-              <a:buFont typeface="+mj-lt"/>
-              <a:buAutoNum type="arabicPeriod"/>
-            </a:pPr>
-            <a:r>
-              <a:rPr lang="en-US" dirty="0"/>
-              <a:t>Players CRUD (Pag 2)</a:t>
-            </a:r>
-          </a:p>
-          <a:p>
-            <a:pPr marL="342900" indent="-342900">
-              <a:buFont typeface="+mj-lt"/>
-              <a:buAutoNum type="arabicPeriod"/>
-            </a:pPr>
-            <a:r>
-              <a:rPr lang="en-US" dirty="0"/>
-              <a:t>Teams CRUD (Pag 3)</a:t>
-            </a:r>
-          </a:p>
-          <a:p>
-            <a:pPr marL="342900" indent="-342900">
-              <a:buFont typeface="+mj-lt"/>
-              <a:buAutoNum type="arabicPeriod"/>
-            </a:pPr>
-            <a:r>
-              <a:rPr lang="en-US" dirty="0"/>
-              <a:t>Composition CRUD (Pag 4)</a:t>
-            </a:r>
-          </a:p>
-          <a:p>
-            <a:pPr marL="342900" indent="-342900">
-              <a:buFont typeface="+mj-lt"/>
-              <a:buAutoNum type="arabicPeriod"/>
-            </a:pPr>
-            <a:r>
-              <a:rPr lang="en-US" dirty="0"/>
-              <a:t>Game</a:t>
-            </a:r>
-          </a:p>
-          <a:p>
-            <a:pPr marL="342900" indent="-342900">
-              <a:buFont typeface="+mj-lt"/>
-              <a:buAutoNum type="arabicPeriod"/>
-            </a:pPr>
-            <a:endParaRPr lang="en-US" dirty="0"/>
-          </a:p>
-          <a:p>
-            <a:pPr marL="342900" indent="-342900">
-              <a:buFont typeface="+mj-lt"/>
-              <a:buAutoNum type="arabicPeriod"/>
-            </a:pPr>
-            <a:endParaRPr lang="en-US" dirty="0"/>
-          </a:p>
-          <a:p>
-            <a:pPr marL="342900" indent="-342900">
-              <a:buFont typeface="+mj-lt"/>
-              <a:buAutoNum type="arabicPeriod"/>
-            </a:pPr>
-            <a:endParaRPr lang="en-US" dirty="0"/>
-          </a:p>
-        </p:txBody>
-      </p:sp>
-      <p:sp>
-        <p:nvSpPr>
-          <p:cNvPr id="23" name="Rectangle 22">
-            <a:extLst>
-              <a:ext uri="{FF2B5EF4-FFF2-40B4-BE49-F238E27FC236}">
-                <a16:creationId xmlns:a16="http://schemas.microsoft.com/office/drawing/2014/main" id="{24E6826D-62B2-4E69-89E0-F5CB6AFC59B6}"/>
-              </a:ext>
-            </a:extLst>
-          </p:cNvPr>
-          <p:cNvSpPr/>
-          <p:nvPr/>
-        </p:nvSpPr>
-        <p:spPr>
-          <a:xfrm>
-            <a:off x="1134836" y="2420711"/>
-            <a:ext cx="8739868" cy="1555296"/>
-          </a:xfrm>
-          <a:prstGeom prst="rect">
-            <a:avLst/>
-          </a:prstGeom>
-        </p:spPr>
-        <p:style>
-          <a:lnRef idx="2">
-            <a:schemeClr val="accent1">
-              <a:shade val="50000"/>
-            </a:schemeClr>
-          </a:lnRef>
-          <a:fillRef idx="1">
-            <a:schemeClr val="accent1"/>
-          </a:fillRef>
-          <a:effectRef idx="0">
-            <a:schemeClr val="accent1"/>
-          </a:effectRef>
-          <a:fontRef idx="minor">
-            <a:schemeClr val="lt1"/>
-          </a:fontRef>
-        </p:style>
-        <p:txBody>
-          <a:bodyPr rtlCol="0" anchor="ctr"/>
-          <a:lstStyle/>
-          <a:p>
-            <a:pPr algn="ctr"/>
-            <a:endParaRPr lang="en-US"/>
-          </a:p>
-        </p:txBody>
-      </p:sp>
-      <p:sp>
-        <p:nvSpPr>
-          <p:cNvPr id="24" name="TextBox 23">
-            <a:extLst>
-              <a:ext uri="{FF2B5EF4-FFF2-40B4-BE49-F238E27FC236}">
-                <a16:creationId xmlns:a16="http://schemas.microsoft.com/office/drawing/2014/main" id="{5C7B0608-DE5A-4D22-BF70-247FDF98F415}"/>
-              </a:ext>
-            </a:extLst>
-          </p:cNvPr>
-          <p:cNvSpPr txBox="1"/>
-          <p:nvPr/>
-        </p:nvSpPr>
-        <p:spPr>
-          <a:xfrm>
-            <a:off x="1351189" y="2579914"/>
-            <a:ext cx="7540116" cy="1200329"/>
-          </a:xfrm>
-          <a:prstGeom prst="rect">
-            <a:avLst/>
-          </a:prstGeom>
-          <a:noFill/>
-        </p:spPr>
-        <p:txBody>
-          <a:bodyPr wrap="square" rtlCol="0">
-            <a:spAutoFit/>
-          </a:bodyPr>
-          <a:lstStyle/>
-          <a:p>
-            <a:r>
-              <a:rPr lang="en-US" dirty="0"/>
-              <a:t>Team1				Team2</a:t>
-            </a:r>
-          </a:p>
-          <a:p>
-            <a:r>
-              <a:rPr lang="en-US" dirty="0"/>
-              <a:t>DLL Teams			DLL Teams</a:t>
-            </a:r>
-          </a:p>
-          <a:p>
-            <a:r>
-              <a:rPr lang="en-US" dirty="0"/>
-              <a:t>DLL Player1 DLL Char1		DLL Player1 DLL Char1</a:t>
-            </a:r>
-          </a:p>
-          <a:p>
-            <a:r>
-              <a:rPr lang="en-US" dirty="0"/>
-              <a:t>…		</a:t>
-            </a:r>
-          </a:p>
-        </p:txBody>
-      </p:sp>
-      <p:sp>
-        <p:nvSpPr>
-          <p:cNvPr id="30" name="Rectangle 29">
-            <a:extLst>
-              <a:ext uri="{FF2B5EF4-FFF2-40B4-BE49-F238E27FC236}">
-                <a16:creationId xmlns:a16="http://schemas.microsoft.com/office/drawing/2014/main" id="{72306986-7059-4574-9A06-531A76D2895A}"/>
-              </a:ext>
-            </a:extLst>
-          </p:cNvPr>
-          <p:cNvSpPr/>
-          <p:nvPr/>
-        </p:nvSpPr>
-        <p:spPr>
-          <a:xfrm>
-            <a:off x="1134836" y="4373336"/>
-            <a:ext cx="8739868" cy="1555296"/>
-          </a:xfrm>
-          <a:prstGeom prst="rect">
-            <a:avLst/>
-          </a:prstGeom>
-        </p:spPr>
-        <p:style>
-          <a:lnRef idx="2">
-            <a:schemeClr val="accent1">
-              <a:shade val="50000"/>
-            </a:schemeClr>
-          </a:lnRef>
-          <a:fillRef idx="1">
-            <a:schemeClr val="accent1"/>
-          </a:fillRef>
-          <a:effectRef idx="0">
-            <a:schemeClr val="accent1"/>
-          </a:effectRef>
-          <a:fontRef idx="minor">
-            <a:schemeClr val="lt1"/>
-          </a:fontRef>
-        </p:style>
-        <p:txBody>
-          <a:bodyPr rtlCol="0" anchor="ctr"/>
-          <a:lstStyle/>
-          <a:p>
-            <a:pPr algn="ctr"/>
-            <a:endParaRPr lang="en-US"/>
-          </a:p>
-        </p:txBody>
-      </p:sp>
-      <p:sp>
-        <p:nvSpPr>
-          <p:cNvPr id="31" name="TextBox 30">
-            <a:extLst>
-              <a:ext uri="{FF2B5EF4-FFF2-40B4-BE49-F238E27FC236}">
-                <a16:creationId xmlns:a16="http://schemas.microsoft.com/office/drawing/2014/main" id="{6F3BB9C9-DFC4-4B09-94C1-C0E79DAF4E1B}"/>
-              </a:ext>
-            </a:extLst>
-          </p:cNvPr>
-          <p:cNvSpPr txBox="1"/>
-          <p:nvPr/>
-        </p:nvSpPr>
-        <p:spPr>
-          <a:xfrm>
-            <a:off x="1351189" y="4532539"/>
-            <a:ext cx="7540116" cy="1200329"/>
-          </a:xfrm>
-          <a:prstGeom prst="rect">
-            <a:avLst/>
-          </a:prstGeom>
-          <a:noFill/>
-        </p:spPr>
-        <p:txBody>
-          <a:bodyPr wrap="square" rtlCol="0">
-            <a:spAutoFit/>
-          </a:bodyPr>
-          <a:lstStyle/>
-          <a:p>
-            <a:r>
-              <a:rPr lang="en-US" dirty="0"/>
-              <a:t>Team1				Team2</a:t>
-            </a:r>
-          </a:p>
-          <a:p>
-            <a:r>
-              <a:rPr lang="en-US" dirty="0"/>
-              <a:t>DLL Teams			DLL Teams</a:t>
-            </a:r>
-          </a:p>
-          <a:p>
-            <a:r>
-              <a:rPr lang="en-US" dirty="0"/>
-              <a:t>DLL Player1 DLL Char1		DLL Player1 DLL Char1</a:t>
-            </a:r>
-          </a:p>
-          <a:p>
-            <a:r>
-              <a:rPr lang="en-US" dirty="0"/>
-              <a:t>…		</a:t>
-            </a:r>
           </a:p>
         </p:txBody>
       </p:sp>
